--- a/patientpop_project/PatientPop_Report.pptx
+++ b/patientpop_project/PatientPop_Report.pptx
@@ -114,6 +114,11 @@
       </a:defRPr>
     </a:lvl9pPr>
   </p:defaultTextStyle>
+  <p:extLst>
+    <p:ext uri="{EFAFB233-063F-42B5-8137-9DF3F51BA10A}">
+      <p15:sldGuideLst xmlns:p15="http://schemas.microsoft.com/office/powerpoint/2012/main"/>
+    </p:ext>
+  </p:extLst>
 </p:presentation>
 </file>
 
@@ -6145,8 +6150,8 @@
         </p:blipFill>
         <p:spPr>
           <a:xfrm>
-            <a:off x="9086609" y="4177469"/>
-            <a:ext cx="2126462" cy="2212849"/>
+            <a:off x="9086609" y="3938955"/>
+            <a:ext cx="2355666" cy="2451364"/>
           </a:xfrm>
           <a:prstGeom prst="rect">
             <a:avLst/>
@@ -7780,7 +7785,7 @@
             </a:pPr>
             <a:r>
               <a:rPr lang="en-US" dirty="0"/>
-              <a:t>Even though more practices adopted V1 than V2 (2856 vs 953), V2 still has more views</a:t>
+              <a:t>Even though more practices adopted V1 than V2 (2856 vs 953), V2 still has more reviews</a:t>
             </a:r>
           </a:p>
           <a:p>
@@ -7790,7 +7795,7 @@
             </a:pPr>
             <a:r>
               <a:rPr lang="en-US" dirty="0"/>
-              <a:t>V2 is more efficient and therefore more impactful than V1</a:t>
+              <a:t>V2 is more efficient and also more impactful than V1</a:t>
             </a:r>
           </a:p>
         </p:txBody>
@@ -8766,7 +8771,7 @@
         <p:spPr>
           <a:xfrm>
             <a:off x="8549640" y="274320"/>
-            <a:ext cx="3200400" cy="1737360"/>
+            <a:ext cx="3200400" cy="1296572"/>
           </a:xfrm>
         </p:spPr>
         <p:txBody>
@@ -8776,7 +8781,7 @@
           <a:lstStyle/>
           <a:p>
             <a:r>
-              <a:rPr lang="en-US" sz="2000" dirty="0"/>
+              <a:rPr lang="en-US" sz="1600" dirty="0"/>
               <a:t>What kinds of practices do best with “long” survey v1? Would you recommend “long” survey v2 to any specific kinds of practices? </a:t>
             </a:r>
           </a:p>
@@ -8800,13 +8805,13 @@
         </p:nvSpPr>
         <p:spPr>
           <a:xfrm>
-            <a:off x="8549640" y="2214438"/>
-            <a:ext cx="3200400" cy="3291840"/>
+            <a:off x="8549640" y="1817077"/>
+            <a:ext cx="3200400" cy="4267201"/>
           </a:xfrm>
         </p:spPr>
         <p:txBody>
           <a:bodyPr>
-            <a:normAutofit fontScale="77500" lnSpcReduction="20000"/>
+            <a:normAutofit fontScale="85000" lnSpcReduction="10000"/>
           </a:bodyPr>
           <a:lstStyle/>
           <a:p>
@@ -8826,7 +8831,7 @@
             </a:pPr>
             <a:r>
               <a:rPr lang="en-US" dirty="0"/>
-              <a:t>This is a view of which category had the most reviews based on the different versions</a:t>
+              <a:t>The graphs shows an attribute and the most reviews for the attributes category based on the version used.</a:t>
             </a:r>
           </a:p>
           <a:p>
